--- a/ТРС_лр_1.pptx
+++ b/ТРС_лр_1.pptx
@@ -6749,6 +6749,10 @@
             <a:br>
               <a:rPr lang="ru-RU" sz="3600" b="1" dirty="0"/>
             </a:br>
+            <a:r>
+              <a:rPr lang="ru-RU" sz="3600" b="1" dirty="0"/>
+              <a:t/>
+            </a:r>
             <a:br>
               <a:rPr lang="ru-RU" sz="3600" b="1" dirty="0"/>
             </a:br>
@@ -7259,6 +7263,10 @@
               <a:rPr lang="ru-RU" altLang="ru-RU" sz="2000" dirty="0"/>
               <a:t> выполнить сравнение полученных численных решений с решением, построенным в п.2. </a:t>
             </a:r>
+            <a:r>
+              <a:rPr lang="en-US" altLang="ru-RU" sz="2000" dirty="0"/>
+              <a:t/>
+            </a:r>
             <a:br>
               <a:rPr lang="en-US" altLang="ru-RU" sz="2000" dirty="0"/>
             </a:br>
@@ -8322,7 +8330,7 @@
           <a:graphicData uri="http://schemas.openxmlformats.org/presentationml/2006/ole">
             <mc:AlternateContent xmlns:mc="http://schemas.openxmlformats.org/markup-compatibility/2006">
               <mc:Choice xmlns:v="urn:schemas-microsoft-com:vml" Requires="v">
-                <p:oleObj spid="_x0000_s17413" name="Формула" r:id="rId4" imgW="2806560" imgH="685800" progId="Equation.3">
+                <p:oleObj spid="_x0000_s17415" name="Формула" r:id="rId4" imgW="2806560" imgH="685800" progId="Equation.3">
                   <p:embed/>
                 </p:oleObj>
               </mc:Choice>
@@ -8626,6 +8634,10 @@
               <a:rPr lang="ru-RU" sz="2000" dirty="0"/>
               <a:t>После подстановки их в ОДУ и группировки получим систему </a:t>
             </a:r>
+            <a:r>
+              <a:rPr lang="en-US" sz="2000" dirty="0"/>
+              <a:t/>
+            </a:r>
             <a:br>
               <a:rPr lang="en-US" sz="2000" dirty="0"/>
             </a:br>
@@ -8831,7 +8843,7 @@
           <a:graphicData uri="http://schemas.openxmlformats.org/presentationml/2006/ole">
             <mc:AlternateContent xmlns:mc="http://schemas.openxmlformats.org/markup-compatibility/2006">
               <mc:Choice xmlns:v="urn:schemas-microsoft-com:vml" Requires="v">
-                <p:oleObj spid="_x0000_s7188" name="Формула" r:id="rId3" imgW="3238200" imgH="228600" progId="Equation.3">
+                <p:oleObj spid="_x0000_s7192" name="Формула" r:id="rId3" imgW="3238200" imgH="228600" progId="Equation.3">
                   <p:embed/>
                 </p:oleObj>
               </mc:Choice>
@@ -8942,7 +8954,7 @@
           <a:graphicData uri="http://schemas.openxmlformats.org/presentationml/2006/ole">
             <mc:AlternateContent xmlns:mc="http://schemas.openxmlformats.org/markup-compatibility/2006">
               <mc:Choice xmlns:v="urn:schemas-microsoft-com:vml" Requires="v">
-                <p:oleObj spid="_x0000_s7189" name="Формула" r:id="rId5" imgW="3632040" imgH="228600" progId="Equation.3">
+                <p:oleObj spid="_x0000_s7193" name="Формула" r:id="rId5" imgW="3632040" imgH="228600" progId="Equation.3">
                   <p:embed/>
                 </p:oleObj>
               </mc:Choice>
@@ -9322,7 +9334,7 @@
           <a:graphicData uri="http://schemas.openxmlformats.org/presentationml/2006/ole">
             <mc:AlternateContent xmlns:mc="http://schemas.openxmlformats.org/markup-compatibility/2006">
               <mc:Choice xmlns:v="urn:schemas-microsoft-com:vml" Requires="v">
-                <p:oleObj spid="_x0000_s8200" name="Формула" r:id="rId3" imgW="2806560" imgH="672840" progId="Equation.3">
+                <p:oleObj spid="_x0000_s8202" name="Формула" r:id="rId3" imgW="2806560" imgH="672840" progId="Equation.3">
                   <p:embed/>
                 </p:oleObj>
               </mc:Choice>
@@ -9602,7 +9614,7 @@
           <a:graphicData uri="http://schemas.openxmlformats.org/presentationml/2006/ole">
             <mc:AlternateContent xmlns:mc="http://schemas.openxmlformats.org/markup-compatibility/2006">
               <mc:Choice xmlns:v="urn:schemas-microsoft-com:vml" Requires="v">
-                <p:oleObj spid="_x0000_s11270" name="Формула" r:id="rId3" imgW="1333440" imgH="228600" progId="Equation.3">
+                <p:oleObj spid="_x0000_s11272" name="Формула" r:id="rId3" imgW="1333440" imgH="228600" progId="Equation.3">
                   <p:embed/>
                 </p:oleObj>
               </mc:Choice>
@@ -11763,7 +11775,7 @@
           <a:graphicData uri="http://schemas.openxmlformats.org/presentationml/2006/ole">
             <mc:AlternateContent xmlns:mc="http://schemas.openxmlformats.org/markup-compatibility/2006">
               <mc:Choice xmlns:v="urn:schemas-microsoft-com:vml" Requires="v">
-                <p:oleObj spid="_x0000_s12293" name="Формула" r:id="rId4" imgW="1854000" imgH="761760" progId="Equation.3">
+                <p:oleObj spid="_x0000_s12295" name="Формула" r:id="rId4" imgW="1854000" imgH="761760" progId="Equation.3">
                   <p:embed/>
                 </p:oleObj>
               </mc:Choice>
@@ -12018,7 +12030,7 @@
           <a:graphicData uri="http://schemas.openxmlformats.org/presentationml/2006/ole">
             <mc:AlternateContent xmlns:mc="http://schemas.openxmlformats.org/markup-compatibility/2006">
               <mc:Choice xmlns:v="urn:schemas-microsoft-com:vml" Requires="v">
-                <p:oleObj spid="_x0000_s13323" name="Формула" r:id="rId3" imgW="1409400" imgH="228600" progId="Equation.3">
+                <p:oleObj spid="_x0000_s13329" name="Формула" r:id="rId3" imgW="1409400" imgH="228600" progId="Equation.3">
                   <p:embed/>
                 </p:oleObj>
               </mc:Choice>
@@ -12088,7 +12100,7 @@
           <a:graphicData uri="http://schemas.openxmlformats.org/presentationml/2006/ole">
             <mc:AlternateContent xmlns:mc="http://schemas.openxmlformats.org/markup-compatibility/2006">
               <mc:Choice xmlns:v="urn:schemas-microsoft-com:vml" Requires="v">
-                <p:oleObj spid="_x0000_s13324" name="Формула" r:id="rId5" imgW="1346040" imgH="457200" progId="Equation.3">
+                <p:oleObj spid="_x0000_s13330" name="Формула" r:id="rId5" imgW="1346040" imgH="457200" progId="Equation.3">
                   <p:embed/>
                 </p:oleObj>
               </mc:Choice>
@@ -12158,7 +12170,7 @@
           <a:graphicData uri="http://schemas.openxmlformats.org/presentationml/2006/ole">
             <mc:AlternateContent xmlns:mc="http://schemas.openxmlformats.org/markup-compatibility/2006">
               <mc:Choice xmlns:v="urn:schemas-microsoft-com:vml" Requires="v">
-                <p:oleObj spid="_x0000_s13325" name="Формула" r:id="rId7" imgW="1676160" imgH="228600" progId="Equation.3">
+                <p:oleObj spid="_x0000_s13331" name="Формула" r:id="rId7" imgW="1676160" imgH="228600" progId="Equation.3">
                   <p:embed/>
                 </p:oleObj>
               </mc:Choice>
@@ -12402,7 +12414,7 @@
           <a:graphicData uri="http://schemas.openxmlformats.org/presentationml/2006/ole">
             <mc:AlternateContent xmlns:mc="http://schemas.openxmlformats.org/markup-compatibility/2006">
               <mc:Choice xmlns:v="urn:schemas-microsoft-com:vml" Requires="v">
-                <p:oleObj spid="_x0000_s14347" name="Формула" r:id="rId3" imgW="3644640" imgH="507960" progId="Equation.3">
+                <p:oleObj spid="_x0000_s14353" name="Формула" r:id="rId3" imgW="3644640" imgH="507960" progId="Equation.3">
                   <p:embed/>
                 </p:oleObj>
               </mc:Choice>
@@ -12472,7 +12484,7 @@
           <a:graphicData uri="http://schemas.openxmlformats.org/presentationml/2006/ole">
             <mc:AlternateContent xmlns:mc="http://schemas.openxmlformats.org/markup-compatibility/2006">
               <mc:Choice xmlns:v="urn:schemas-microsoft-com:vml" Requires="v">
-                <p:oleObj spid="_x0000_s14348" name="Формула" r:id="rId5" imgW="2387520" imgH="393480" progId="Equation.3">
+                <p:oleObj spid="_x0000_s14354" name="Формула" r:id="rId5" imgW="2387520" imgH="393480" progId="Equation.3">
                   <p:embed/>
                 </p:oleObj>
               </mc:Choice>
@@ -12542,7 +12554,7 @@
           <a:graphicData uri="http://schemas.openxmlformats.org/presentationml/2006/ole">
             <mc:AlternateContent xmlns:mc="http://schemas.openxmlformats.org/markup-compatibility/2006">
               <mc:Choice xmlns:v="urn:schemas-microsoft-com:vml" Requires="v">
-                <p:oleObj spid="_x0000_s14349" name="Формула" r:id="rId7" imgW="1180800" imgH="457200" progId="Equation.3">
+                <p:oleObj spid="_x0000_s14355" name="Формула" r:id="rId7" imgW="1180800" imgH="457200" progId="Equation.3">
                   <p:embed/>
                 </p:oleObj>
               </mc:Choice>
@@ -12727,22 +12739,28 @@
           <p:cNvGraphicFramePr>
             <a:graphicFrameLocks noChangeAspect="1"/>
           </p:cNvGraphicFramePr>
-          <p:nvPr/>
+          <p:nvPr>
+            <p:extLst>
+              <p:ext uri="{D42A27DB-BD31-4B8C-83A1-F6EECF244321}">
+                <p14:modId xmlns:p14="http://schemas.microsoft.com/office/powerpoint/2010/main" val="478187665"/>
+              </p:ext>
+            </p:extLst>
+          </p:nvPr>
         </p:nvGraphicFramePr>
         <p:xfrm>
-          <a:off x="2471738" y="2492375"/>
-          <a:ext cx="4872037" cy="3679825"/>
+          <a:off x="2185988" y="2492375"/>
+          <a:ext cx="5445125" cy="3679825"/>
         </p:xfrm>
         <a:graphic>
           <a:graphicData uri="http://schemas.openxmlformats.org/presentationml/2006/ole">
             <mc:AlternateContent xmlns:mc="http://schemas.openxmlformats.org/markup-compatibility/2006">
               <mc:Choice xmlns:v="urn:schemas-microsoft-com:vml" Requires="v">
-                <p:oleObj spid="_x0000_s15365" name="Формула" r:id="rId3" imgW="2374560" imgH="1790640" progId="Equation.3">
+                <p:oleObj spid="_x0000_s15367" name="Уравнение" r:id="rId3" imgW="2654280" imgH="1790640" progId="Equation.3">
                   <p:embed/>
                 </p:oleObj>
               </mc:Choice>
               <mc:Fallback>
-                <p:oleObj name="Формула" r:id="rId3" imgW="2374560" imgH="1790640" progId="Equation.3">
+                <p:oleObj name="Уравнение" r:id="rId3" imgW="2654280" imgH="1790640" progId="Equation.3">
                   <p:embed/>
                   <p:pic>
                     <p:nvPicPr>
@@ -12753,13 +12771,7 @@
                       <p:nvPr/>
                     </p:nvPicPr>
                     <p:blipFill>
-                      <a:blip r:embed="rId4">
-                        <a:extLst>
-                          <a:ext uri="{28A0092B-C50C-407E-A947-70E740481C1C}">
-                            <a14:useLocalDpi xmlns:a14="http://schemas.microsoft.com/office/drawing/2010/main" val="0"/>
-                          </a:ext>
-                        </a:extLst>
-                      </a:blip>
+                      <a:blip r:embed="rId4"/>
                       <a:srcRect/>
                       <a:stretch>
                         <a:fillRect/>
@@ -12767,8 +12779,8 @@
                     </p:blipFill>
                     <p:spPr bwMode="auto">
                       <a:xfrm>
-                        <a:off x="2471738" y="2492375"/>
-                        <a:ext cx="4872037" cy="3679825"/>
+                        <a:off x="2185988" y="2492375"/>
+                        <a:ext cx="5445125" cy="3679825"/>
                       </a:xfrm>
                       <a:prstGeom prst="rect">
                         <a:avLst/>
@@ -13395,7 +13407,7 @@
           <a:graphicData uri="http://schemas.openxmlformats.org/presentationml/2006/ole">
             <mc:AlternateContent xmlns:mc="http://schemas.openxmlformats.org/markup-compatibility/2006">
               <mc:Choice xmlns:v="urn:schemas-microsoft-com:vml" Requires="v">
-                <p:oleObj spid="_x0000_s16390" name="Формула" r:id="rId4" imgW="1549080" imgH="228600" progId="Equation.3">
+                <p:oleObj spid="_x0000_s16392" name="Формула" r:id="rId4" imgW="1549080" imgH="228600" progId="Equation.3">
                   <p:embed/>
                 </p:oleObj>
               </mc:Choice>
@@ -13649,8 +13661,8 @@
           </a:p>
         </p:txBody>
       </p:sp>
-      <mc:AlternateContent xmlns:mc="http://schemas.openxmlformats.org/markup-compatibility/2006">
-        <mc:Choice xmlns:a14="http://schemas.microsoft.com/office/drawing/2010/main" Requires="a14">
+      <mc:AlternateContent xmlns:mc="http://schemas.openxmlformats.org/markup-compatibility/2006" xmlns:a14="http://schemas.microsoft.com/office/drawing/2010/main">
+        <mc:Choice Requires="a14">
           <p:sp>
             <p:nvSpPr>
               <p:cNvPr id="61452" name="Rectangle 19"/>
@@ -14672,7 +14684,7 @@
             </p:txBody>
           </p:sp>
         </mc:Choice>
-        <mc:Fallback>
+        <mc:Fallback xmlns="">
           <p:sp>
             <p:nvSpPr>
               <p:cNvPr id="61452" name="Rectangle 19"/>
